--- a/project_presentation_Convolutional Networks.pptx
+++ b/project_presentation_Convolutional Networks.pptx
@@ -295,7 +295,7 @@
 <file path=ppt/revisionInfo.xml><?xml version="1.0" encoding="utf-8"?>
 <p1510:revInfo xmlns:a="http://schemas.openxmlformats.org/drawingml/2006/main" xmlns:r="http://schemas.openxmlformats.org/officeDocument/2006/relationships" xmlns:p1510="http://schemas.microsoft.com/office/powerpoint/2015/10/main">
   <p1510:revLst>
-    <p1510:client id="{71DB0A1C-0CB2-4A37-BB99-41D3A080389F}" v="491" dt="2023-07-04T19:39:20.166"/>
+    <p1510:client id="{71DB0A1C-0CB2-4A37-BB99-41D3A080389F}" v="494" dt="2023-07-06T14:31:27.509"/>
   </p1510:revLst>
 </p1510:revInfo>
 </file>
@@ -20476,10 +20476,9 @@
           </a:lstStyle>
           <a:p>
             <a:r>
-              <a:rPr lang="de-DE" sz="3600" dirty="0" err="1"/>
+              <a:rPr lang="de-DE" sz="3600" dirty="0"/>
               <a:t>Bicubic</a:t>
             </a:r>
-            <a:endParaRPr lang="de-DE" sz="3600" dirty="0"/>
           </a:p>
         </p:txBody>
       </p:sp>
@@ -25033,10 +25032,9 @@
           </a:lstStyle>
           <a:p>
             <a:r>
-              <a:rPr lang="de-DE" sz="3600" dirty="0" err="1"/>
+              <a:rPr lang="de-DE" sz="3600" dirty="0"/>
               <a:t>Bicubic</a:t>
             </a:r>
-            <a:endParaRPr lang="de-DE" sz="3600" dirty="0"/>
           </a:p>
         </p:txBody>
       </p:sp>
@@ -29321,10 +29319,9 @@
           </a:lstStyle>
           <a:p>
             <a:r>
-              <a:rPr lang="de-DE" sz="3200" dirty="0" err="1"/>
+              <a:rPr lang="de-DE" sz="3200" dirty="0"/>
               <a:t>Bicubic</a:t>
             </a:r>
-            <a:endParaRPr lang="de-DE" sz="3200" dirty="0"/>
           </a:p>
         </p:txBody>
       </p:sp>
@@ -33817,14 +33814,11 @@
                     <a:p>
                       <a:pPr algn="ctr"/>
                       <a:r>
-                        <a:rPr lang="de-DE" sz="1200" dirty="0" err="1">
+                        <a:rPr lang="de-DE" sz="1200" dirty="0">
                           <a:latin typeface="Montserrat Medium" panose="00000600000000000000" pitchFamily="2" charset="0"/>
                         </a:rPr>
                         <a:t>Bicubic</a:t>
                       </a:r>
-                      <a:endParaRPr lang="de-DE" sz="1200" dirty="0">
-                        <a:latin typeface="Montserrat Medium" panose="00000600000000000000" pitchFamily="2" charset="0"/>
-                      </a:endParaRPr>
                     </a:p>
                   </a:txBody>
                   <a:tcPr anchor="ctr">
@@ -33900,14 +33894,11 @@
                     <a:p>
                       <a:pPr algn="ctr"/>
                       <a:r>
-                        <a:rPr lang="de-DE" sz="1200" dirty="0" err="1">
+                        <a:rPr lang="de-DE" sz="1200" dirty="0">
                           <a:latin typeface="Montserrat Medium" panose="00000600000000000000" pitchFamily="2" charset="0"/>
                         </a:rPr>
                         <a:t>Bicubic</a:t>
                       </a:r>
-                      <a:endParaRPr lang="de-DE" sz="1200" dirty="0">
-                        <a:latin typeface="Montserrat Medium" panose="00000600000000000000" pitchFamily="2" charset="0"/>
-                      </a:endParaRPr>
                     </a:p>
                   </a:txBody>
                   <a:tcPr anchor="ctr">
@@ -34745,16 +34736,10 @@
                         <a:defRPr/>
                       </a:pPr>
                       <a:r>
-                        <a:rPr lang="de-DE" sz="1200" dirty="0" err="1">
-                          <a:latin typeface="Montserrat Medium" panose="00000600000000000000" pitchFamily="2" charset="0"/>
-                        </a:rPr>
-                        <a:t>Upscaling</a:t>
-                      </a:r>
-                      <a:r>
                         <a:rPr lang="de-DE" sz="1200" dirty="0">
                           <a:latin typeface="Montserrat Medium" panose="00000600000000000000" pitchFamily="2" charset="0"/>
                         </a:rPr>
-                        <a:t> Zeit </a:t>
+                        <a:t>Upscaling Zeit </a:t>
                       </a:r>
                       <a:r>
                         <a:rPr lang="de-DE" sz="1000" dirty="0">
@@ -35012,26 +34997,11 @@
                         <a:defRPr/>
                       </a:pPr>
                       <a:r>
-                        <a:rPr lang="de-DE" sz="1200" dirty="0" err="1">
-                          <a:latin typeface="Montserrat Medium" panose="00000600000000000000" pitchFamily="2" charset="0"/>
-                        </a:rPr>
-                        <a:t>Upscaling</a:t>
-                      </a:r>
-                      <a:r>
                         <a:rPr lang="de-DE" sz="1200" dirty="0">
                           <a:latin typeface="Montserrat Medium" panose="00000600000000000000" pitchFamily="2" charset="0"/>
                         </a:rPr>
-                        <a:t> </a:t>
+                        <a:t>Upscaling fps</a:t>
                       </a:r>
-                      <a:r>
-                        <a:rPr lang="de-DE" sz="1200" dirty="0" err="1">
-                          <a:latin typeface="Montserrat Medium" panose="00000600000000000000" pitchFamily="2" charset="0"/>
-                        </a:rPr>
-                        <a:t>fps</a:t>
-                      </a:r>
-                      <a:endParaRPr lang="de-DE" sz="1200" dirty="0">
-                        <a:latin typeface="Montserrat Medium" panose="00000600000000000000" pitchFamily="2" charset="0"/>
-                      </a:endParaRPr>
                     </a:p>
                     <a:p>
                       <a:pPr marL="0" marR="0" lvl="0" indent="0" algn="l" defTabSz="914400" rtl="0" eaLnBrk="1" fontAlgn="auto" latinLnBrk="0" hangingPunct="1">
@@ -44390,12 +44360,8 @@
           </a:lstStyle>
           <a:p>
             <a:r>
-              <a:rPr lang="de-DE" dirty="0" err="1"/>
-              <a:t>Bicubic</a:t>
-            </a:r>
-            <a:r>
               <a:rPr lang="de-DE" dirty="0"/>
-              <a:t> </a:t>
+              <a:t>Bicubic </a:t>
             </a:r>
             <a:r>
               <a:rPr lang="de-DE" dirty="0" err="1"/>
